--- a/publixpower_final_presentation.pptx
+++ b/publixpower_final_presentation.pptx
@@ -10,6 +10,7 @@
     <p:sldId id="258" r:id="rId4"/>
     <p:sldId id="259" r:id="rId5"/>
     <p:sldId id="260" r:id="rId6"/>
+    <p:sldId id="261" r:id="rId7"/>
   </p:sldIdLst>
   <p:sldSz cx="12192000" cy="6858000"/>
   <p:notesSz cx="6858000" cy="9144000"/>
@@ -3598,13 +3599,8 @@
           <a:p>
             <a:r>
               <a:rPr lang="en-US" dirty="0"/>
-              <a:t>A PERMONVA can be used to calculate the statistical significance of </a:t>
-            </a:r>
-            <a:r>
-              <a:rPr lang="en-US"/>
-              <a:t>community differences</a:t>
-            </a:r>
-            <a:endParaRPr lang="en-US" dirty="0"/>
+              <a:t>A PERMONVA can be used to calculate the statistical significance of community differences</a:t>
+            </a:r>
           </a:p>
           <a:p>
             <a:pPr lvl="1"/>
@@ -3799,6 +3795,131 @@
     <p:extLst>
       <p:ext uri="{BB962C8B-B14F-4D97-AF65-F5344CB8AC3E}">
         <p14:creationId xmlns:p14="http://schemas.microsoft.com/office/powerpoint/2010/main" val="3965771404"/>
+      </p:ext>
+    </p:extLst>
+  </p:cSld>
+  <p:clrMapOvr>
+    <a:masterClrMapping/>
+  </p:clrMapOvr>
+</p:sld>
+</file>
+
+<file path=ppt/slides/slide6.xml><?xml version="1.0" encoding="utf-8"?>
+<p:sld xmlns:a="http://schemas.openxmlformats.org/drawingml/2006/main" xmlns:r="http://schemas.openxmlformats.org/officeDocument/2006/relationships" xmlns:p="http://schemas.openxmlformats.org/presentationml/2006/main">
+  <p:cSld>
+    <p:spTree>
+      <p:nvGrpSpPr>
+        <p:cNvPr id="1" name=""/>
+        <p:cNvGrpSpPr/>
+        <p:nvPr/>
+      </p:nvGrpSpPr>
+      <p:grpSpPr>
+        <a:xfrm>
+          <a:off x="0" y="0"/>
+          <a:ext cx="0" cy="0"/>
+          <a:chOff x="0" y="0"/>
+          <a:chExt cx="0" cy="0"/>
+        </a:xfrm>
+      </p:grpSpPr>
+      <p:sp>
+        <p:nvSpPr>
+          <p:cNvPr id="2" name="Title 1">
+            <a:extLst>
+              <a:ext uri="{FF2B5EF4-FFF2-40B4-BE49-F238E27FC236}">
+                <a16:creationId xmlns:a16="http://schemas.microsoft.com/office/drawing/2014/main" id="{2710FE39-AD9B-034A-963C-A2446DF83A26}"/>
+              </a:ext>
+            </a:extLst>
+          </p:cNvPr>
+          <p:cNvSpPr>
+            <a:spLocks noGrp="1"/>
+          </p:cNvSpPr>
+          <p:nvPr>
+            <p:ph type="title"/>
+          </p:nvPr>
+        </p:nvSpPr>
+        <p:spPr/>
+        <p:txBody>
+          <a:bodyPr/>
+          <a:lstStyle/>
+          <a:p>
+            <a:r>
+              <a:rPr lang="en-US" dirty="0"/>
+              <a:t>What we did</a:t>
+            </a:r>
+          </a:p>
+        </p:txBody>
+      </p:sp>
+      <p:sp>
+        <p:nvSpPr>
+          <p:cNvPr id="3" name="Content Placeholder 2">
+            <a:extLst>
+              <a:ext uri="{FF2B5EF4-FFF2-40B4-BE49-F238E27FC236}">
+                <a16:creationId xmlns:a16="http://schemas.microsoft.com/office/drawing/2014/main" id="{2CC635B2-0822-8849-BDB9-E70E6D506A9B}"/>
+              </a:ext>
+            </a:extLst>
+          </p:cNvPr>
+          <p:cNvSpPr>
+            <a:spLocks noGrp="1"/>
+          </p:cNvSpPr>
+          <p:nvPr>
+            <p:ph idx="1"/>
+          </p:nvPr>
+        </p:nvSpPr>
+        <p:spPr/>
+        <p:txBody>
+          <a:bodyPr/>
+          <a:lstStyle/>
+          <a:p>
+            <a:r>
+              <a:rPr lang="en-US" dirty="0"/>
+              <a:t>Added a biologist friendly user interface to the R package </a:t>
+            </a:r>
+            <a:r>
+              <a:rPr lang="en-US" i="1" dirty="0"/>
+              <a:t>Micropower</a:t>
+            </a:r>
+          </a:p>
+          <a:p>
+            <a:r>
+              <a:rPr lang="en-US" i="1" dirty="0"/>
+              <a:t>Micropower </a:t>
+            </a:r>
+            <a:r>
+              <a:rPr lang="en-US" dirty="0"/>
+              <a:t>allows user to estimate power and calculate effect sizes</a:t>
+            </a:r>
+          </a:p>
+          <a:p>
+            <a:r>
+              <a:rPr lang="en-US" dirty="0"/>
+              <a:t>This allows people not familiar with coding or the R language to:</a:t>
+            </a:r>
+          </a:p>
+          <a:p>
+            <a:pPr lvl="1"/>
+            <a:r>
+              <a:rPr lang="en-US" dirty="0"/>
+              <a:t>Quickly calculate the power needed for their experiment</a:t>
+            </a:r>
+          </a:p>
+          <a:p>
+            <a:pPr lvl="1"/>
+            <a:r>
+              <a:rPr lang="en-US" dirty="0"/>
+              <a:t>Calculate the effect size form </a:t>
+            </a:r>
+            <a:r>
+              <a:rPr lang="en-US"/>
+              <a:t>their experiment</a:t>
+            </a:r>
+            <a:endParaRPr lang="en-US" dirty="0"/>
+          </a:p>
+        </p:txBody>
+      </p:sp>
+    </p:spTree>
+    <p:extLst>
+      <p:ext uri="{BB962C8B-B14F-4D97-AF65-F5344CB8AC3E}">
+        <p14:creationId xmlns:p14="http://schemas.microsoft.com/office/powerpoint/2010/main" val="2200131827"/>
       </p:ext>
     </p:extLst>
   </p:cSld>

--- a/publixpower_final_presentation.pptx
+++ b/publixpower_final_presentation.pptx
@@ -11,6 +11,7 @@
     <p:sldId id="259" r:id="rId5"/>
     <p:sldId id="260" r:id="rId6"/>
     <p:sldId id="261" r:id="rId7"/>
+    <p:sldId id="262" r:id="rId8"/>
   </p:sldIdLst>
   <p:sldSz cx="12192000" cy="6858000"/>
   <p:notesSz cx="6858000" cy="9144000"/>
@@ -3906,13 +3907,8 @@
             <a:pPr lvl="1"/>
             <a:r>
               <a:rPr lang="en-US" dirty="0"/>
-              <a:t>Calculate the effect size form </a:t>
-            </a:r>
-            <a:r>
-              <a:rPr lang="en-US"/>
-              <a:t>their experiment</a:t>
-            </a:r>
-            <a:endParaRPr lang="en-US" dirty="0"/>
+              <a:t>Calculate the effect size form their experiment</a:t>
+            </a:r>
           </a:p>
         </p:txBody>
       </p:sp>
@@ -3920,6 +3916,93 @@
     <p:extLst>
       <p:ext uri="{BB962C8B-B14F-4D97-AF65-F5344CB8AC3E}">
         <p14:creationId xmlns:p14="http://schemas.microsoft.com/office/powerpoint/2010/main" val="2200131827"/>
+      </p:ext>
+    </p:extLst>
+  </p:cSld>
+  <p:clrMapOvr>
+    <a:masterClrMapping/>
+  </p:clrMapOvr>
+</p:sld>
+</file>
+
+<file path=ppt/slides/slide7.xml><?xml version="1.0" encoding="utf-8"?>
+<p:sld xmlns:a="http://schemas.openxmlformats.org/drawingml/2006/main" xmlns:r="http://schemas.openxmlformats.org/officeDocument/2006/relationships" xmlns:p="http://schemas.openxmlformats.org/presentationml/2006/main">
+  <p:cSld>
+    <p:spTree>
+      <p:nvGrpSpPr>
+        <p:cNvPr id="1" name=""/>
+        <p:cNvGrpSpPr/>
+        <p:nvPr/>
+      </p:nvGrpSpPr>
+      <p:grpSpPr>
+        <a:xfrm>
+          <a:off x="0" y="0"/>
+          <a:ext cx="0" cy="0"/>
+          <a:chOff x="0" y="0"/>
+          <a:chExt cx="0" cy="0"/>
+        </a:xfrm>
+      </p:grpSpPr>
+      <p:sp>
+        <p:nvSpPr>
+          <p:cNvPr id="2" name="Title 1">
+            <a:extLst>
+              <a:ext uri="{FF2B5EF4-FFF2-40B4-BE49-F238E27FC236}">
+                <a16:creationId xmlns:a16="http://schemas.microsoft.com/office/drawing/2014/main" id="{02583DE5-EE82-9C4A-8BD4-629E5D20F7C8}"/>
+              </a:ext>
+            </a:extLst>
+          </p:cNvPr>
+          <p:cNvSpPr>
+            <a:spLocks noGrp="1"/>
+          </p:cNvSpPr>
+          <p:nvPr>
+            <p:ph type="title"/>
+          </p:nvPr>
+        </p:nvSpPr>
+        <p:spPr/>
+        <p:txBody>
+          <a:bodyPr/>
+          <a:lstStyle/>
+          <a:p>
+            <a:r>
+              <a:rPr lang="en-US" dirty="0"/>
+              <a:t>What we did</a:t>
+            </a:r>
+          </a:p>
+        </p:txBody>
+      </p:sp>
+      <p:pic>
+        <p:nvPicPr>
+          <p:cNvPr id="5" name="Content Placeholder 4">
+            <a:extLst>
+              <a:ext uri="{FF2B5EF4-FFF2-40B4-BE49-F238E27FC236}">
+                <a16:creationId xmlns:a16="http://schemas.microsoft.com/office/drawing/2014/main" id="{C7CB8EC9-B973-804F-BDDA-23A7EF21A6DF}"/>
+              </a:ext>
+            </a:extLst>
+          </p:cNvPr>
+          <p:cNvPicPr>
+            <a:picLocks noGrp="1" noChangeAspect="1"/>
+          </p:cNvPicPr>
+          <p:nvPr>
+            <p:ph idx="1"/>
+          </p:nvPr>
+        </p:nvPicPr>
+        <p:blipFill>
+          <a:blip r:embed="rId2"/>
+          <a:stretch>
+            <a:fillRect/>
+          </a:stretch>
+        </p:blipFill>
+        <p:spPr>
+          <a:xfrm>
+            <a:off x="1862733" y="1255089"/>
+            <a:ext cx="8466534" cy="5635281"/>
+          </a:xfrm>
+        </p:spPr>
+      </p:pic>
+    </p:spTree>
+    <p:extLst>
+      <p:ext uri="{BB962C8B-B14F-4D97-AF65-F5344CB8AC3E}">
+        <p14:creationId xmlns:p14="http://schemas.microsoft.com/office/powerpoint/2010/main" val="3513627827"/>
       </p:ext>
     </p:extLst>
   </p:cSld>

--- a/publixpower_final_presentation.pptx
+++ b/publixpower_final_presentation.pptx
@@ -12,6 +12,7 @@
     <p:sldId id="260" r:id="rId6"/>
     <p:sldId id="261" r:id="rId7"/>
     <p:sldId id="262" r:id="rId8"/>
+    <p:sldId id="263" r:id="rId9"/>
   </p:sldIdLst>
   <p:sldSz cx="12192000" cy="6858000"/>
   <p:notesSz cx="6858000" cy="9144000"/>
@@ -4012,6 +4013,180 @@
 </p:sld>
 </file>
 
+<file path=ppt/slides/slide8.xml><?xml version="1.0" encoding="utf-8"?>
+<p:sld xmlns:a="http://schemas.openxmlformats.org/drawingml/2006/main" xmlns:r="http://schemas.openxmlformats.org/officeDocument/2006/relationships" xmlns:p="http://schemas.openxmlformats.org/presentationml/2006/main">
+  <p:cSld>
+    <p:spTree>
+      <p:nvGrpSpPr>
+        <p:cNvPr id="1" name=""/>
+        <p:cNvGrpSpPr/>
+        <p:nvPr/>
+      </p:nvGrpSpPr>
+      <p:grpSpPr>
+        <a:xfrm>
+          <a:off x="0" y="0"/>
+          <a:ext cx="0" cy="0"/>
+          <a:chOff x="0" y="0"/>
+          <a:chExt cx="0" cy="0"/>
+        </a:xfrm>
+      </p:grpSpPr>
+      <p:sp>
+        <p:nvSpPr>
+          <p:cNvPr id="2" name="Title 1">
+            <a:extLst>
+              <a:ext uri="{FF2B5EF4-FFF2-40B4-BE49-F238E27FC236}">
+                <a16:creationId xmlns:a16="http://schemas.microsoft.com/office/drawing/2014/main" id="{FCB9F70C-A994-1045-BDA3-9E267D632633}"/>
+              </a:ext>
+            </a:extLst>
+          </p:cNvPr>
+          <p:cNvSpPr>
+            <a:spLocks noGrp="1"/>
+          </p:cNvSpPr>
+          <p:nvPr>
+            <p:ph type="title"/>
+          </p:nvPr>
+        </p:nvSpPr>
+        <p:spPr/>
+        <p:txBody>
+          <a:bodyPr/>
+          <a:lstStyle/>
+          <a:p>
+            <a:r>
+              <a:rPr lang="en-US" dirty="0"/>
+              <a:t>The team</a:t>
+            </a:r>
+          </a:p>
+        </p:txBody>
+      </p:sp>
+      <p:sp>
+        <p:nvSpPr>
+          <p:cNvPr id="3" name="Content Placeholder 2">
+            <a:extLst>
+              <a:ext uri="{FF2B5EF4-FFF2-40B4-BE49-F238E27FC236}">
+                <a16:creationId xmlns:a16="http://schemas.microsoft.com/office/drawing/2014/main" id="{EA719CC4-D603-284A-9DC5-D8E6D3DDBDBD}"/>
+              </a:ext>
+            </a:extLst>
+          </p:cNvPr>
+          <p:cNvSpPr>
+            <a:spLocks noGrp="1"/>
+          </p:cNvSpPr>
+          <p:nvPr>
+            <p:ph idx="1"/>
+          </p:nvPr>
+        </p:nvSpPr>
+        <p:spPr/>
+        <p:txBody>
+          <a:bodyPr/>
+          <a:lstStyle/>
+          <a:p>
+            <a:r>
+              <a:rPr lang="en-US" b="1" dirty="0"/>
+              <a:t>Omkar </a:t>
+            </a:r>
+            <a:r>
+              <a:rPr lang="en-US" b="1" dirty="0" err="1"/>
+              <a:t>Dokur</a:t>
+            </a:r>
+            <a:r>
+              <a:rPr lang="en-US" dirty="0"/>
+              <a:t>: User interface</a:t>
+            </a:r>
+          </a:p>
+          <a:p>
+            <a:r>
+              <a:rPr lang="en-US" b="1" dirty="0" err="1"/>
+              <a:t>Vyoma</a:t>
+            </a:r>
+            <a:r>
+              <a:rPr lang="en-US" b="1" dirty="0"/>
+              <a:t> </a:t>
+            </a:r>
+            <a:r>
+              <a:rPr lang="en-US" b="1" dirty="0" err="1"/>
+              <a:t>Sheth</a:t>
+            </a:r>
+            <a:r>
+              <a:rPr lang="en-US" dirty="0"/>
+              <a:t>: User interface</a:t>
+            </a:r>
+          </a:p>
+          <a:p>
+            <a:r>
+              <a:rPr lang="en-US" b="1" dirty="0"/>
+              <a:t>Francesca Prieto</a:t>
+            </a:r>
+            <a:r>
+              <a:rPr lang="en-US" dirty="0"/>
+              <a:t>: Literature research and visualizations</a:t>
+            </a:r>
+          </a:p>
+          <a:p>
+            <a:r>
+              <a:rPr lang="en-US" b="1" dirty="0"/>
+              <a:t>Xiangyun (Sherry) Liao</a:t>
+            </a:r>
+            <a:r>
+              <a:rPr lang="en-US" dirty="0"/>
+              <a:t>: Effect size calculation</a:t>
+            </a:r>
+          </a:p>
+          <a:p>
+            <a:r>
+              <a:rPr lang="en-US" b="1" dirty="0"/>
+              <a:t>Samira </a:t>
+            </a:r>
+            <a:r>
+              <a:rPr lang="en-US" b="1" dirty="0" err="1"/>
+              <a:t>Jahangiri</a:t>
+            </a:r>
+            <a:r>
+              <a:rPr lang="en-US" dirty="0"/>
+              <a:t>: Reference data wrangler</a:t>
+            </a:r>
+          </a:p>
+          <a:p>
+            <a:r>
+              <a:rPr lang="en-US" b="1" dirty="0"/>
+              <a:t>Jenna Oberstaller</a:t>
+            </a:r>
+            <a:r>
+              <a:rPr lang="en-US" dirty="0"/>
+              <a:t>: Conceptualization, supervisor, chief </a:t>
+            </a:r>
+            <a:r>
+              <a:rPr lang="en-US" dirty="0" err="1"/>
+              <a:t>documentor</a:t>
+            </a:r>
+            <a:endParaRPr lang="en-US" dirty="0"/>
+          </a:p>
+          <a:p>
+            <a:r>
+              <a:rPr lang="en-US" b="1" dirty="0"/>
+              <a:t>Justin Gibbons</a:t>
+            </a:r>
+            <a:r>
+              <a:rPr lang="en-US" dirty="0"/>
+              <a:t>: Conceptualization, supervisor, calculations </a:t>
+            </a:r>
+          </a:p>
+          <a:p>
+            <a:endParaRPr lang="en-US" dirty="0"/>
+          </a:p>
+        </p:txBody>
+      </p:sp>
+    </p:spTree>
+    <p:extLst>
+      <p:ext uri="{BB962C8B-B14F-4D97-AF65-F5344CB8AC3E}">
+        <p14:creationId xmlns:p14="http://schemas.microsoft.com/office/powerpoint/2010/main" val="1323965084"/>
+      </p:ext>
+    </p:extLst>
+  </p:cSld>
+  <p:clrMapOvr>
+    <a:masterClrMapping/>
+  </p:clrMapOvr>
+</p:sld>
+</file>
+
 <file path=ppt/theme/theme1.xml><?xml version="1.0" encoding="utf-8"?>
 <a:theme xmlns:a="http://schemas.openxmlformats.org/drawingml/2006/main" name="Office Theme">
   <a:themeElements>

--- a/publixpower_final_presentation.pptx
+++ b/publixpower_final_presentation.pptx
@@ -3366,8 +3366,8 @@
           <a:lstStyle/>
           <a:p>
             <a:r>
-              <a:rPr lang="en-US" dirty="0" err="1"/>
-              <a:t>PublixPower</a:t>
+              <a:rPr lang="en-US"/>
+              <a:t>Micropower-Plus</a:t>
             </a:r>
             <a:endParaRPr lang="en-US" dirty="0"/>
           </a:p>
